--- a/three_papers.pptx
+++ b/three_papers.pptx
@@ -5,15 +5,16 @@
     <p:sldMasterId id="2147483648" r:id="rId1"/>
   </p:sldMasterIdLst>
   <p:notesMasterIdLst>
-    <p:notesMasterId r:id="rId8"/>
+    <p:notesMasterId r:id="rId9"/>
   </p:notesMasterIdLst>
   <p:sldIdLst>
     <p:sldId id="256" r:id="rId2"/>
     <p:sldId id="257" r:id="rId3"/>
     <p:sldId id="258" r:id="rId4"/>
     <p:sldId id="259" r:id="rId5"/>
-    <p:sldId id="260" r:id="rId6"/>
-    <p:sldId id="261" r:id="rId7"/>
+    <p:sldId id="262" r:id="rId6"/>
+    <p:sldId id="260" r:id="rId7"/>
+    <p:sldId id="261" r:id="rId8"/>
   </p:sldIdLst>
   <p:sldSz cx="12192000" cy="6858000"/>
   <p:notesSz cx="6858000" cy="9144000"/>
@@ -112,6 +113,11 @@
       </a:defRPr>
     </a:lvl9pPr>
   </p:defaultTextStyle>
+  <p:extLst>
+    <p:ext uri="{EFAFB233-063F-42B5-8137-9DF3F51BA10A}">
+      <p15:sldGuideLst xmlns:p15="http://schemas.microsoft.com/office/powerpoint/2012/main"/>
+    </p:ext>
+  </p:extLst>
 </p:presentation>
 </file>
 
@@ -197,7 +203,7 @@
           <a:p>
             <a:fld id="{210650F4-D05C-4F41-AC0D-008E155283BE}" type="datetimeFigureOut">
               <a:rPr lang="en-US" smtClean="0"/>
-              <a:t>5/17/23</a:t>
+              <a:t>5/18/23</a:t>
             </a:fld>
             <a:endParaRPr lang="en-US"/>
           </a:p>
@@ -811,7 +817,7 @@
     </p:spTree>
     <p:extLst>
       <p:ext uri="{BB962C8B-B14F-4D97-AF65-F5344CB8AC3E}">
-        <p14:creationId xmlns:p14="http://schemas.microsoft.com/office/powerpoint/2010/main" val="1972666669"/>
+        <p14:creationId xmlns:p14="http://schemas.microsoft.com/office/powerpoint/2010/main" val="2381579799"/>
       </p:ext>
     </p:extLst>
   </p:cSld>
@@ -922,6 +928,125 @@
             <a:fld id="{F0FBB358-7620-714A-A9E2-7168D1915144}" type="slidenum">
               <a:rPr lang="en-US" smtClean="0"/>
               <a:t>6</a:t>
+            </a:fld>
+            <a:endParaRPr lang="en-US"/>
+          </a:p>
+        </p:txBody>
+      </p:sp>
+    </p:spTree>
+    <p:extLst>
+      <p:ext uri="{BB962C8B-B14F-4D97-AF65-F5344CB8AC3E}">
+        <p14:creationId xmlns:p14="http://schemas.microsoft.com/office/powerpoint/2010/main" val="1972666669"/>
+      </p:ext>
+    </p:extLst>
+  </p:cSld>
+  <p:clrMapOvr>
+    <a:masterClrMapping/>
+  </p:clrMapOvr>
+</p:notes>
+</file>
+
+<file path=ppt/notesSlides/notesSlide5.xml><?xml version="1.0" encoding="utf-8"?>
+<p:notes xmlns:a="http://schemas.openxmlformats.org/drawingml/2006/main" xmlns:r="http://schemas.openxmlformats.org/officeDocument/2006/relationships" xmlns:p="http://schemas.openxmlformats.org/presentationml/2006/main">
+  <p:cSld>
+    <p:spTree>
+      <p:nvGrpSpPr>
+        <p:cNvPr id="1" name=""/>
+        <p:cNvGrpSpPr/>
+        <p:nvPr/>
+      </p:nvGrpSpPr>
+      <p:grpSpPr>
+        <a:xfrm>
+          <a:off x="0" y="0"/>
+          <a:ext cx="0" cy="0"/>
+          <a:chOff x="0" y="0"/>
+          <a:chExt cx="0" cy="0"/>
+        </a:xfrm>
+      </p:grpSpPr>
+      <p:sp>
+        <p:nvSpPr>
+          <p:cNvPr id="2" name="Slide Image Placeholder 1"/>
+          <p:cNvSpPr>
+            <a:spLocks noGrp="1" noRot="1" noChangeAspect="1"/>
+          </p:cNvSpPr>
+          <p:nvPr>
+            <p:ph type="sldImg"/>
+          </p:nvPr>
+        </p:nvSpPr>
+        <p:spPr/>
+      </p:sp>
+      <p:sp>
+        <p:nvSpPr>
+          <p:cNvPr id="3" name="Notes Placeholder 2"/>
+          <p:cNvSpPr>
+            <a:spLocks noGrp="1"/>
+          </p:cNvSpPr>
+          <p:nvPr>
+            <p:ph type="body" idx="1"/>
+          </p:nvPr>
+        </p:nvSpPr>
+        <p:spPr/>
+        <p:txBody>
+          <a:bodyPr/>
+          <a:lstStyle/>
+          <a:p>
+            <a:pPr marL="0" marR="0" lvl="0" indent="0" algn="l" defTabSz="914400" rtl="0" eaLnBrk="1" fontAlgn="auto" latinLnBrk="0" hangingPunct="1">
+              <a:lnSpc>
+                <a:spcPct val="100000"/>
+              </a:lnSpc>
+              <a:spcBef>
+                <a:spcPts val="0"/>
+              </a:spcBef>
+              <a:spcAft>
+                <a:spcPts val="0"/>
+              </a:spcAft>
+              <a:buClrTx/>
+              <a:buSzTx/>
+              <a:buFontTx/>
+              <a:buNone/>
+              <a:tabLst/>
+              <a:defRPr/>
+            </a:pPr>
+            <a:r>
+              <a:rPr lang="en-US" dirty="0" err="1"/>
+              <a:t>在计算出矩阵X后，Gavel使用一个基于轮询的调度机制为每个模型分配资源，在每一个round结束后，会根据X</a:t>
+            </a:r>
+            <a:r>
+              <a:rPr lang="en-US" dirty="0"/>
+              <a:t>(m, j)/</a:t>
+            </a:r>
+            <a:r>
+              <a:rPr lang="en-US" dirty="0" err="1"/>
+              <a:t>模型m在加速器j上已经分配的时间片计算优先级，根据优先级高低决定下一轮的资源分配</a:t>
+            </a:r>
+            <a:r>
+              <a:rPr lang="en-US" dirty="0"/>
+              <a:t>：</a:t>
+            </a:r>
+          </a:p>
+          <a:p>
+            <a:endParaRPr lang="en-US" dirty="0"/>
+          </a:p>
+        </p:txBody>
+      </p:sp>
+      <p:sp>
+        <p:nvSpPr>
+          <p:cNvPr id="4" name="Slide Number Placeholder 3"/>
+          <p:cNvSpPr>
+            <a:spLocks noGrp="1"/>
+          </p:cNvSpPr>
+          <p:nvPr>
+            <p:ph type="sldNum" sz="quarter" idx="5"/>
+          </p:nvPr>
+        </p:nvSpPr>
+        <p:spPr/>
+        <p:txBody>
+          <a:bodyPr/>
+          <a:lstStyle/>
+          <a:p>
+            <a:fld id="{F0FBB358-7620-714A-A9E2-7168D1915144}" type="slidenum">
+              <a:rPr lang="en-US" smtClean="0"/>
+              <a:t>7</a:t>
             </a:fld>
             <a:endParaRPr lang="en-US"/>
           </a:p>
@@ -1087,7 +1212,7 @@
           <a:p>
             <a:fld id="{D0002C2F-9801-954C-9A72-4B23B2A041F0}" type="datetimeFigureOut">
               <a:rPr lang="en-US" smtClean="0"/>
-              <a:t>5/15/23</a:t>
+              <a:t>5/18/23</a:t>
             </a:fld>
             <a:endParaRPr lang="en-US"/>
           </a:p>
@@ -1285,7 +1410,7 @@
           <a:p>
             <a:fld id="{D0002C2F-9801-954C-9A72-4B23B2A041F0}" type="datetimeFigureOut">
               <a:rPr lang="en-US" smtClean="0"/>
-              <a:t>5/15/23</a:t>
+              <a:t>5/18/23</a:t>
             </a:fld>
             <a:endParaRPr lang="en-US"/>
           </a:p>
@@ -1493,7 +1618,7 @@
           <a:p>
             <a:fld id="{D0002C2F-9801-954C-9A72-4B23B2A041F0}" type="datetimeFigureOut">
               <a:rPr lang="en-US" smtClean="0"/>
-              <a:t>5/15/23</a:t>
+              <a:t>5/18/23</a:t>
             </a:fld>
             <a:endParaRPr lang="en-US"/>
           </a:p>
@@ -1691,7 +1816,7 @@
           <a:p>
             <a:fld id="{D0002C2F-9801-954C-9A72-4B23B2A041F0}" type="datetimeFigureOut">
               <a:rPr lang="en-US" smtClean="0"/>
-              <a:t>5/15/23</a:t>
+              <a:t>5/18/23</a:t>
             </a:fld>
             <a:endParaRPr lang="en-US"/>
           </a:p>
@@ -1966,7 +2091,7 @@
           <a:p>
             <a:fld id="{D0002C2F-9801-954C-9A72-4B23B2A041F0}" type="datetimeFigureOut">
               <a:rPr lang="en-US" smtClean="0"/>
-              <a:t>5/15/23</a:t>
+              <a:t>5/18/23</a:t>
             </a:fld>
             <a:endParaRPr lang="en-US"/>
           </a:p>
@@ -2231,7 +2356,7 @@
           <a:p>
             <a:fld id="{D0002C2F-9801-954C-9A72-4B23B2A041F0}" type="datetimeFigureOut">
               <a:rPr lang="en-US" smtClean="0"/>
-              <a:t>5/15/23</a:t>
+              <a:t>5/18/23</a:t>
             </a:fld>
             <a:endParaRPr lang="en-US"/>
           </a:p>
@@ -2643,7 +2768,7 @@
           <a:p>
             <a:fld id="{D0002C2F-9801-954C-9A72-4B23B2A041F0}" type="datetimeFigureOut">
               <a:rPr lang="en-US" smtClean="0"/>
-              <a:t>5/15/23</a:t>
+              <a:t>5/18/23</a:t>
             </a:fld>
             <a:endParaRPr lang="en-US"/>
           </a:p>
@@ -2784,7 +2909,7 @@
           <a:p>
             <a:fld id="{D0002C2F-9801-954C-9A72-4B23B2A041F0}" type="datetimeFigureOut">
               <a:rPr lang="en-US" smtClean="0"/>
-              <a:t>5/15/23</a:t>
+              <a:t>5/18/23</a:t>
             </a:fld>
             <a:endParaRPr lang="en-US"/>
           </a:p>
@@ -2897,7 +3022,7 @@
           <a:p>
             <a:fld id="{D0002C2F-9801-954C-9A72-4B23B2A041F0}" type="datetimeFigureOut">
               <a:rPr lang="en-US" smtClean="0"/>
-              <a:t>5/15/23</a:t>
+              <a:t>5/18/23</a:t>
             </a:fld>
             <a:endParaRPr lang="en-US"/>
           </a:p>
@@ -3208,7 +3333,7 @@
           <a:p>
             <a:fld id="{D0002C2F-9801-954C-9A72-4B23B2A041F0}" type="datetimeFigureOut">
               <a:rPr lang="en-US" smtClean="0"/>
-              <a:t>5/15/23</a:t>
+              <a:t>5/18/23</a:t>
             </a:fld>
             <a:endParaRPr lang="en-US"/>
           </a:p>
@@ -3496,7 +3621,7 @@
           <a:p>
             <a:fld id="{D0002C2F-9801-954C-9A72-4B23B2A041F0}" type="datetimeFigureOut">
               <a:rPr lang="en-US" smtClean="0"/>
-              <a:t>5/15/23</a:t>
+              <a:t>5/18/23</a:t>
             </a:fld>
             <a:endParaRPr lang="en-US"/>
           </a:p>
@@ -3737,7 +3862,7 @@
           <a:p>
             <a:fld id="{D0002C2F-9801-954C-9A72-4B23B2A041F0}" type="datetimeFigureOut">
               <a:rPr lang="en-US" smtClean="0"/>
-              <a:t>5/15/23</a:t>
+              <a:t>5/18/23</a:t>
             </a:fld>
             <a:endParaRPr lang="en-US"/>
           </a:p>
@@ -4865,8 +4990,8 @@
           </a:p>
         </p:txBody>
       </p:sp>
-      <mc:AlternateContent xmlns:mc="http://schemas.openxmlformats.org/markup-compatibility/2006">
-        <mc:Choice xmlns:a14="http://schemas.microsoft.com/office/drawing/2010/main" Requires="a14">
+      <mc:AlternateContent xmlns:mc="http://schemas.openxmlformats.org/markup-compatibility/2006" xmlns:a14="http://schemas.microsoft.com/office/drawing/2010/main">
+        <mc:Choice Requires="a14">
           <p:sp>
             <p:nvSpPr>
               <p:cNvPr id="9" name="TextBox 8">
@@ -5180,7 +5305,7 @@
             </p:txBody>
           </p:sp>
         </mc:Choice>
-        <mc:Fallback>
+        <mc:Fallback xmlns="">
           <p:sp>
             <p:nvSpPr>
               <p:cNvPr id="9" name="TextBox 8">
@@ -5323,8 +5448,8 @@
           </a:p>
         </p:txBody>
       </p:sp>
-      <mc:AlternateContent xmlns:mc="http://schemas.openxmlformats.org/markup-compatibility/2006">
-        <mc:Choice xmlns:a14="http://schemas.microsoft.com/office/drawing/2010/main" Requires="a14">
+      <mc:AlternateContent xmlns:mc="http://schemas.openxmlformats.org/markup-compatibility/2006" xmlns:a14="http://schemas.microsoft.com/office/drawing/2010/main">
+        <mc:Choice Requires="a14">
           <p:sp>
             <p:nvSpPr>
               <p:cNvPr id="20" name="TextBox 19">
@@ -5482,7 +5607,7 @@
             </p:txBody>
           </p:sp>
         </mc:Choice>
-        <mc:Fallback>
+        <mc:Fallback xmlns="">
           <p:sp>
             <p:nvSpPr>
               <p:cNvPr id="20" name="TextBox 19">
@@ -5851,8 +5976,8 @@
           </a:p>
         </p:txBody>
       </p:sp>
-      <mc:AlternateContent xmlns:mc="http://schemas.openxmlformats.org/markup-compatibility/2006">
-        <mc:Choice xmlns:a14="http://schemas.microsoft.com/office/drawing/2010/main" Requires="a14">
+      <mc:AlternateContent xmlns:mc="http://schemas.openxmlformats.org/markup-compatibility/2006" xmlns:a14="http://schemas.microsoft.com/office/drawing/2010/main">
+        <mc:Choice Requires="a14">
           <p:sp>
             <p:nvSpPr>
               <p:cNvPr id="9" name="TextBox 8">
@@ -6249,7 +6374,7 @@
             </p:txBody>
           </p:sp>
         </mc:Choice>
-        <mc:Fallback>
+        <mc:Fallback xmlns="">
           <p:sp>
             <p:nvSpPr>
               <p:cNvPr id="9" name="TextBox 8">
@@ -6510,7 +6635,7 @@
         <p:spPr>
           <a:xfrm>
             <a:off x="620487" y="1371599"/>
-            <a:ext cx="5475514" cy="3216265"/>
+            <a:ext cx="5966430" cy="4401205"/>
           </a:xfrm>
           <a:prstGeom prst="rect">
             <a:avLst/>
@@ -6574,20 +6699,69 @@
           </a:p>
           <a:p>
             <a:r>
+              <a:rPr lang="en-CA" sz="1100"/>
+              <a:t>Synergy exploits the predictability of DNN computation to measure the job throughput as we vary the amount of CPU and memory allocated to the job. </a:t>
+            </a:r>
+            <a:r>
+              <a:rPr lang="en-CA" sz="1100">
+                <a:solidFill>
+                  <a:srgbClr val="FF0000"/>
+                </a:solidFill>
+              </a:rPr>
+              <a:t>This is performed offline by the Synergy scheduler, prior to job execution on the cluster. </a:t>
+            </a:r>
+            <a:r>
+              <a:rPr lang="en-CA" sz="1100"/>
+              <a:t>However, profiling all possible combinations of CPU, and memory values is computationally expensive. Therefore, Synergy introduces optimistic profiling; it empirically profiles the job throughput for varying CPU allocations, assuming maximum memory allocation. It then analytically estimates the job throughput for all combinations of CPU and memory.A key insight that makes such analytical modelling feasible is the predictable nature of job performance to memory allocation when using DNN-aware caching like MinIO.</a:t>
+            </a:r>
+          </a:p>
+          <a:p>
+            <a:endParaRPr lang="en-CA" sz="1100"/>
+          </a:p>
+          <a:p>
+            <a:r>
+              <a:rPr lang="en-CA" sz="1100"/>
+              <a:t>Synergy introduces an optimistic profiling technique that exploits the </a:t>
+            </a:r>
+            <a:r>
+              <a:rPr lang="en-CA" sz="1100">
+                <a:solidFill>
+                  <a:srgbClr val="FF0000"/>
+                </a:solidFill>
+              </a:rPr>
+              <a:t>predictability in the relationship between job throughput and memory allocation. We observe that, with DNN-specific, application-level caches like MinIO, it is easy to model the job throughput behaviour as we vary the amount of memory allocated to a job at fixed CPU allocation. </a:t>
+            </a:r>
+            <a:r>
               <a:rPr lang="en-CA" sz="1100" dirty="0"/>
-              <a:t>On job arrival. Each incoming job is profiled by varying the CPU and memory allocated to the job. A resource sensitivity matrix is then constructed for discrete combinations of CPU and memory allocations.</a:t>
-            </a:r>
-          </a:p>
-          <a:p>
-            <a:endParaRPr lang="en-CA" sz="1100" dirty="0">
-              <a:latin typeface="Arial" panose="020B0604020202020204" pitchFamily="34" charset="0"/>
-              <a:cs typeface="Arial" panose="020B0604020202020204" pitchFamily="34" charset="0"/>
-            </a:endParaRPr>
-          </a:p>
-          <a:p>
+              <a:t>Therefore, we only need to empirically profile </a:t>
+            </a:r>
+            <a:r>
+              <a:rPr lang="en-CA" sz="1100" dirty="0">
+                <a:solidFill>
+                  <a:srgbClr val="FF0000"/>
+                </a:solidFill>
+              </a:rPr>
+              <a:t>(</a:t>
+            </a:r>
+            <a:r>
+              <a:rPr lang="en-CA" sz="1100">
+                <a:solidFill>
+                  <a:srgbClr val="FF0000"/>
+                </a:solidFill>
+              </a:rPr>
+              <a:t>empirical results obtained by training the job for 2 epochs</a:t>
+            </a:r>
+            <a:r>
+              <a:rPr lang="en-CA" sz="1100" dirty="0">
+                <a:solidFill>
+                  <a:srgbClr val="FF0000"/>
+                </a:solidFill>
+              </a:rPr>
+              <a:t>) </a:t>
+            </a:r>
             <a:r>
               <a:rPr lang="en-CA" sz="1100" dirty="0"/>
-              <a:t>For a given CPU allocation that determines the preprocessing speed, and a known storage bandwidth, it is easy to analytically model the job throughput for varying memory allocation. Therefore, we only need to empirically profile the job for varying CPU values at full memory allocation as shown in Figure 4. All the other entries can be estimated using the above technique.</a:t>
+              <a:t>the job for varying CPU values at full memory allocation as shown in Figure 4. All the other entries can be estimated using the above technique.</a:t>
             </a:r>
             <a:endParaRPr lang="en-US" sz="1100" dirty="0">
               <a:latin typeface="Arial" panose="020B0604020202020204" pitchFamily="34" charset="0"/>
@@ -6611,7 +6785,7 @@
         <p:spPr>
           <a:xfrm>
             <a:off x="6108246" y="1377042"/>
-            <a:ext cx="5475514" cy="2539157"/>
+            <a:ext cx="5475514" cy="584775"/>
           </a:xfrm>
           <a:prstGeom prst="rect">
             <a:avLst/>
@@ -6632,33 +6806,6 @@
           <a:p>
             <a:endParaRPr lang="en-CA" sz="1400" dirty="0"/>
           </a:p>
-          <a:p>
-            <a:r>
-              <a:rPr lang="en-CA" sz="1400" dirty="0"/>
-              <a:t>3.2 Scheduling mechanism:</a:t>
-            </a:r>
-          </a:p>
-          <a:p>
-            <a:endParaRPr lang="en-CA" sz="1400" dirty="0">
-              <a:latin typeface="Calibri" panose="020F0502020204030204" pitchFamily="34" charset="0"/>
-              <a:cs typeface="Calibri" panose="020F0502020204030204" pitchFamily="34" charset="0"/>
-            </a:endParaRPr>
-          </a:p>
-          <a:p>
-            <a:r>
-              <a:rPr lang="en-CA" sz="1100" dirty="0"/>
-              <a:t>Synergy performs round-based scheduling. At the beginning of each scheduling round, Synergy identifies a set of runnable jobs from the scheduling queue that can be packed on the cluster in the current round duration.</a:t>
-            </a:r>
-          </a:p>
-          <a:p>
-            <a:endParaRPr lang="en-CA" sz="1100" dirty="0"/>
-          </a:p>
-          <a:p>
-            <a:r>
-              <a:rPr lang="en-CA" sz="1100" dirty="0"/>
-              <a:t>To pack the jobs onto servers, we first construct a job demand vector that indicates the GPU demand, and best-case CPU and memory requirements for the job. Packing a job with multi-dimensional resource demands is analogous to multi-dimensional bin packing problem which is NP hard [53]. Therefore, we first evaluate the efficacy of a naive greedy scheduling mechanism as an approximation to tackle the multi-dimensional resource allocation problem.</a:t>
-            </a:r>
-          </a:p>
         </p:txBody>
       </p:sp>
       <p:sp>
@@ -6675,8 +6822,8 @@
         </p:nvSpPr>
         <p:spPr>
           <a:xfrm>
-            <a:off x="6096000" y="3524802"/>
-            <a:ext cx="5475514" cy="3000821"/>
+            <a:off x="6581564" y="4059771"/>
+            <a:ext cx="5475514" cy="1785104"/>
           </a:xfrm>
           <a:prstGeom prst="rect">
             <a:avLst/>
@@ -6689,67 +6836,59 @@
           </a:bodyPr>
           <a:lstStyle/>
           <a:p>
-            <a:endParaRPr lang="en-CA" dirty="0">
-              <a:latin typeface="Calibri" panose="020F0502020204030204" pitchFamily="34" charset="0"/>
-              <a:cs typeface="Calibri" panose="020F0502020204030204" pitchFamily="34" charset="0"/>
-            </a:endParaRPr>
-          </a:p>
-          <a:p>
-            <a:endParaRPr lang="en-CA" sz="1400" dirty="0"/>
-          </a:p>
-          <a:p>
-            <a:r>
-              <a:rPr lang="en-CA" sz="1400" dirty="0"/>
-              <a:t>3.3 Synergy-GREEDY: Greedy Scheduling</a:t>
-            </a:r>
-          </a:p>
-          <a:p>
-            <a:endParaRPr lang="en-US" sz="1100" dirty="0">
-              <a:latin typeface="Arial" panose="020B0604020202020204" pitchFamily="34" charset="0"/>
-              <a:cs typeface="Arial" panose="020B0604020202020204" pitchFamily="34" charset="0"/>
-            </a:endParaRPr>
-          </a:p>
-          <a:p>
-            <a:r>
-              <a:rPr lang="en-CA" sz="1100" dirty="0"/>
-              <a:t>Given a job demand vector, the greedy algorithm picks the next runnable job decided by the scheduling policy, and places it on the server that can satisfy the job’s demands in all dimensions. If no such server exists, the job is skipped over for this round and the next runnable job is checked for </a:t>
-            </a:r>
-            <a:r>
-              <a:rPr lang="en-CA" sz="1100" dirty="0" err="1"/>
-              <a:t>schedulability</a:t>
-            </a:r>
-            <a:r>
-              <a:rPr lang="en-CA" sz="1100" dirty="0"/>
-              <a:t>. Synergy-GREEDY thus introduces two major problems in the cluster:</a:t>
-            </a:r>
-          </a:p>
-          <a:p>
-            <a:pPr marL="228600" indent="-228600">
-              <a:buAutoNum type="arabicPeriod"/>
-            </a:pPr>
-            <a:r>
-              <a:rPr lang="en-CA" sz="1100" dirty="0"/>
-              <a:t>It can result in auxiliary resources being exhausted by jobs, while leaving GPUs underutilized, and fragmented.</a:t>
-            </a:r>
-          </a:p>
-          <a:p>
-            <a:pPr marL="228600" indent="-228600">
-              <a:buAutoNum type="arabicPeriod"/>
-            </a:pPr>
-            <a:r>
-              <a:rPr lang="en-CA" sz="1100" dirty="0"/>
-              <a:t>It also hurts the fairness of the scheduling policy as some jobs can be skipped over for a long time if their resource demands cannot be satisfied in the cluster.</a:t>
-            </a:r>
-          </a:p>
-          <a:p>
-            <a:r>
-              <a:rPr lang="en-CA" sz="1100" dirty="0"/>
-              <a:t>The challenge ahead of us is to design a scheduling mechanism that eliminates GPU under-utilization due to fragmentation, and upholds the fairness properties of the given scheduling policy, while performing multi-dimensional resource allocation.</a:t>
-            </a:r>
-            <a:endParaRPr lang="en-US" sz="1100" dirty="0">
-              <a:latin typeface="Arial" panose="020B0604020202020204" pitchFamily="34" charset="0"/>
-              <a:cs typeface="Arial" panose="020B0604020202020204" pitchFamily="34" charset="0"/>
-            </a:endParaRPr>
+            <a:r>
+              <a:rPr lang="en-CA" sz="1100"/>
+              <a:t>To further optimize profiling time, we observe that we </a:t>
+            </a:r>
+            <a:r>
+              <a:rPr lang="en-CA" sz="1100">
+                <a:solidFill>
+                  <a:srgbClr val="FF0000"/>
+                </a:solidFill>
+              </a:rPr>
+              <a:t>do not require exact throughput values for a job with varying CPU allocations</a:t>
+            </a:r>
+            <a:r>
+              <a:rPr lang="en-CA" sz="1100"/>
+              <a:t>. We instead need </a:t>
+            </a:r>
+            <a:r>
+              <a:rPr lang="en-CA" sz="1100">
+                <a:solidFill>
+                  <a:srgbClr val="FF0000"/>
+                </a:solidFill>
+              </a:rPr>
+              <a:t>a curve depicting the empirical job throughput</a:t>
+            </a:r>
+            <a:r>
+              <a:rPr lang="en-CA" sz="1100"/>
+              <a:t>. Therefore, instead of profiling the job for all possible CPU values, we pick discrete points for CPU profiling using the following algorithm. We start with the maximum CPU allocation and do a </a:t>
+            </a:r>
+            <a:r>
+              <a:rPr lang="en-CA" sz="1100">
+                <a:solidFill>
+                  <a:srgbClr val="FF0000"/>
+                </a:solidFill>
+              </a:rPr>
+              <a:t>binary search </a:t>
+            </a:r>
+            <a:r>
+              <a:rPr lang="en-CA" sz="1100"/>
+              <a:t>on the CPU values to estimate job throughput. </a:t>
+            </a:r>
+            <a:r>
+              <a:rPr lang="en-CA" sz="1100">
+                <a:solidFill>
+                  <a:srgbClr val="FF0000"/>
+                </a:solidFill>
+              </a:rPr>
+              <a:t>If the profiled point resulted in a throughput improvement that is less than a fixed threshold (say 10%), then we continue binary search on the lower half of CPU values, else we profile more points on the upper half.</a:t>
+            </a:r>
+            <a:r>
+              <a:rPr lang="en-CA" sz="1100"/>
+              <a:t> The idea here is to empirically profile CPU regions that show significant difference in job throughput, while skip those regions with little to no improvement in throughput.</a:t>
+            </a:r>
+            <a:endParaRPr lang="en-CA" sz="1100" dirty="0"/>
           </a:p>
         </p:txBody>
       </p:sp>
@@ -6775,7 +6914,7 @@
         </p:blipFill>
         <p:spPr>
           <a:xfrm>
-            <a:off x="1520334" y="4432743"/>
+            <a:off x="7313175" y="1954223"/>
             <a:ext cx="3544326" cy="1968058"/>
           </a:xfrm>
           <a:prstGeom prst="rect">
@@ -6954,6 +7093,440 @@
           </a:p>
         </p:txBody>
       </p:sp>
+      <p:sp>
+        <p:nvSpPr>
+          <p:cNvPr id="9" name="TextBox 8">
+            <a:extLst>
+              <a:ext uri="{FF2B5EF4-FFF2-40B4-BE49-F238E27FC236}">
+                <a16:creationId xmlns:a16="http://schemas.microsoft.com/office/drawing/2014/main" id="{D9A10B56-D55A-747E-4D5D-EEECD6EA3ABB}"/>
+              </a:ext>
+            </a:extLst>
+          </p:cNvPr>
+          <p:cNvSpPr txBox="1"/>
+          <p:nvPr/>
+        </p:nvSpPr>
+        <p:spPr>
+          <a:xfrm>
+            <a:off x="620487" y="1371599"/>
+            <a:ext cx="5475514" cy="3647152"/>
+          </a:xfrm>
+          <a:prstGeom prst="rect">
+            <a:avLst/>
+          </a:prstGeom>
+          <a:noFill/>
+        </p:spPr>
+        <p:txBody>
+          <a:bodyPr wrap="square" rtlCol="0">
+            <a:spAutoFit/>
+          </a:bodyPr>
+          <a:lstStyle/>
+          <a:p>
+            <a:r>
+              <a:rPr lang="en-CA" dirty="0">
+                <a:latin typeface="Calibri" panose="020F0502020204030204" pitchFamily="34" charset="0"/>
+                <a:cs typeface="Calibri" panose="020F0502020204030204" pitchFamily="34" charset="0"/>
+              </a:rPr>
+              <a:t>System Overview:</a:t>
+            </a:r>
+          </a:p>
+          <a:p>
+            <a:endParaRPr lang="en-CA" dirty="0">
+              <a:latin typeface="Calibri" panose="020F0502020204030204" pitchFamily="34" charset="0"/>
+              <a:cs typeface="Calibri" panose="020F0502020204030204" pitchFamily="34" charset="0"/>
+            </a:endParaRPr>
+          </a:p>
+          <a:p>
+            <a:r>
+              <a:rPr lang="en-CA" sz="1100" dirty="0"/>
+              <a:t>Synergy is a round-based scheduler that arbitrates multi-dimensional resources (GPU, CPU, and memory) in a homogeneous cluster.</a:t>
+            </a:r>
+            <a:endParaRPr lang="en-CA" sz="1100" dirty="0">
+              <a:latin typeface="Calibri" panose="020F0502020204030204" pitchFamily="34" charset="0"/>
+              <a:cs typeface="Calibri" panose="020F0502020204030204" pitchFamily="34" charset="0"/>
+            </a:endParaRPr>
+          </a:p>
+          <a:p>
+            <a:endParaRPr lang="en-CA" dirty="0">
+              <a:latin typeface="Calibri" panose="020F0502020204030204" pitchFamily="34" charset="0"/>
+              <a:cs typeface="Calibri" panose="020F0502020204030204" pitchFamily="34" charset="0"/>
+            </a:endParaRPr>
+          </a:p>
+          <a:p>
+            <a:r>
+              <a:rPr lang="en-CA" sz="1600" dirty="0"/>
+              <a:t>3.2 Scheduling mechanism:</a:t>
+            </a:r>
+          </a:p>
+          <a:p>
+            <a:r>
+              <a:rPr lang="en-CA" sz="1100" dirty="0"/>
+              <a:t>Synergy performs round-based scheduling. At the beginning of each scheduling round, Synergy </a:t>
+            </a:r>
+            <a:r>
+              <a:rPr lang="en-CA" sz="1100" dirty="0">
+                <a:solidFill>
+                  <a:srgbClr val="FF0000"/>
+                </a:solidFill>
+              </a:rPr>
+              <a:t>identifies a set of runnable jobs from the scheduling queue that can be packed on the cluster in the current round duration.</a:t>
+            </a:r>
+          </a:p>
+          <a:p>
+            <a:endParaRPr lang="en-CA" sz="1100" dirty="0"/>
+          </a:p>
+          <a:p>
+            <a:r>
+              <a:rPr lang="en-CA" sz="1100" dirty="0"/>
+              <a:t>To pack the jobs onto servers, we first construct a job demand vector that indicates the </a:t>
+            </a:r>
+            <a:r>
+              <a:rPr lang="en-CA" sz="1100" dirty="0">
+                <a:solidFill>
+                  <a:srgbClr val="FF0000"/>
+                </a:solidFill>
+              </a:rPr>
+              <a:t>GPU demand, and best-case CPU and memory requirements</a:t>
+            </a:r>
+            <a:r>
+              <a:rPr lang="en-CA" sz="1100" dirty="0"/>
+              <a:t> for the job. </a:t>
+            </a:r>
+            <a:r>
+              <a:rPr lang="en-CA" sz="1100"/>
+              <a:t>We </a:t>
+            </a:r>
+            <a:r>
+              <a:rPr lang="en-CA" sz="1100">
+                <a:solidFill>
+                  <a:srgbClr val="FF0000"/>
+                </a:solidFill>
+              </a:rPr>
+              <a:t>identify the best-case values using the resource sensitivity matrix. We pick the minimum value of CPU and memory that saturates the job throughput.</a:t>
+            </a:r>
+            <a:r>
+              <a:rPr lang="en-CA" sz="1100" dirty="0"/>
+              <a:t> Packing a job with multi-dimensional resource demands is analogous to multi-dimensional bin packing problem which is NP hard [53]. Therefore, we first evaluate the efficacy of a naive greedy scheduling mechanism as an approximation to tackle the multi-dimensional resource allocation problem.</a:t>
+            </a:r>
+          </a:p>
+          <a:p>
+            <a:endParaRPr lang="en-CA" dirty="0">
+              <a:latin typeface="Calibri" panose="020F0502020204030204" pitchFamily="34" charset="0"/>
+              <a:cs typeface="Calibri" panose="020F0502020204030204" pitchFamily="34" charset="0"/>
+            </a:endParaRPr>
+          </a:p>
+        </p:txBody>
+      </p:sp>
+      <p:sp>
+        <p:nvSpPr>
+          <p:cNvPr id="20" name="TextBox 19">
+            <a:extLst>
+              <a:ext uri="{FF2B5EF4-FFF2-40B4-BE49-F238E27FC236}">
+                <a16:creationId xmlns:a16="http://schemas.microsoft.com/office/drawing/2014/main" id="{99586012-D295-876E-F6F7-1F89AF14B0A7}"/>
+              </a:ext>
+            </a:extLst>
+          </p:cNvPr>
+          <p:cNvSpPr txBox="1"/>
+          <p:nvPr/>
+        </p:nvSpPr>
+        <p:spPr>
+          <a:xfrm>
+            <a:off x="6096000" y="849177"/>
+            <a:ext cx="5475514" cy="3000821"/>
+          </a:xfrm>
+          <a:prstGeom prst="rect">
+            <a:avLst/>
+          </a:prstGeom>
+          <a:noFill/>
+        </p:spPr>
+        <p:txBody>
+          <a:bodyPr wrap="square" rtlCol="0">
+            <a:spAutoFit/>
+          </a:bodyPr>
+          <a:lstStyle/>
+          <a:p>
+            <a:endParaRPr lang="en-CA" dirty="0">
+              <a:latin typeface="Calibri" panose="020F0502020204030204" pitchFamily="34" charset="0"/>
+              <a:cs typeface="Calibri" panose="020F0502020204030204" pitchFamily="34" charset="0"/>
+            </a:endParaRPr>
+          </a:p>
+          <a:p>
+            <a:endParaRPr lang="en-CA" sz="1400" dirty="0"/>
+          </a:p>
+          <a:p>
+            <a:r>
+              <a:rPr lang="en-CA" sz="1400" dirty="0"/>
+              <a:t>3.3 Synergy-GREEDY: Greedy Scheduling</a:t>
+            </a:r>
+          </a:p>
+          <a:p>
+            <a:endParaRPr lang="en-US" sz="1100" dirty="0">
+              <a:latin typeface="Arial" panose="020B0604020202020204" pitchFamily="34" charset="0"/>
+              <a:cs typeface="Arial" panose="020B0604020202020204" pitchFamily="34" charset="0"/>
+            </a:endParaRPr>
+          </a:p>
+          <a:p>
+            <a:r>
+              <a:rPr lang="en-CA" sz="1100" dirty="0"/>
+              <a:t>Given a job demand vector, </a:t>
+            </a:r>
+            <a:r>
+              <a:rPr lang="en-CA" sz="1100" dirty="0">
+                <a:solidFill>
+                  <a:srgbClr val="FF0000"/>
+                </a:solidFill>
+              </a:rPr>
+              <a:t>the greedy algorithm picks the next runnable job decided by the scheduling policy, and places it on the server that can satisfy the job’s demands in all dimensions.</a:t>
+            </a:r>
+            <a:r>
+              <a:rPr lang="en-CA" sz="1100" dirty="0"/>
+              <a:t> If no such server exists, the job is skipped over for this round and the next runnable job is checked for </a:t>
+            </a:r>
+            <a:r>
+              <a:rPr lang="en-CA" sz="1100" dirty="0" err="1"/>
+              <a:t>schedulability</a:t>
+            </a:r>
+            <a:r>
+              <a:rPr lang="en-CA" sz="1100" dirty="0"/>
+              <a:t>. Synergy-GREEDY thus introduces two major problems in the cluster:</a:t>
+            </a:r>
+          </a:p>
+          <a:p>
+            <a:pPr marL="228600" indent="-228600">
+              <a:buAutoNum type="arabicPeriod"/>
+            </a:pPr>
+            <a:r>
+              <a:rPr lang="en-CA" sz="1100" dirty="0"/>
+              <a:t>It can result in </a:t>
+            </a:r>
+            <a:r>
+              <a:rPr lang="en-CA" sz="1100" dirty="0">
+                <a:solidFill>
+                  <a:srgbClr val="FF0000"/>
+                </a:solidFill>
+              </a:rPr>
+              <a:t>auxiliary resources being exhausted</a:t>
+            </a:r>
+            <a:r>
+              <a:rPr lang="en-CA" sz="1100" dirty="0"/>
+              <a:t> by jobs, while leaving </a:t>
+            </a:r>
+            <a:r>
+              <a:rPr lang="en-CA" sz="1100" dirty="0">
+                <a:solidFill>
+                  <a:srgbClr val="FF0000"/>
+                </a:solidFill>
+              </a:rPr>
+              <a:t>GPUs underutilized, and fragmented</a:t>
+            </a:r>
+            <a:r>
+              <a:rPr lang="en-CA" sz="1100" dirty="0"/>
+              <a:t>.</a:t>
+            </a:r>
+          </a:p>
+          <a:p>
+            <a:pPr marL="228600" indent="-228600">
+              <a:buAutoNum type="arabicPeriod"/>
+            </a:pPr>
+            <a:r>
+              <a:rPr lang="en-CA" sz="1100" dirty="0"/>
+              <a:t>It also hurts the </a:t>
+            </a:r>
+            <a:r>
+              <a:rPr lang="en-CA" sz="1100" dirty="0">
+                <a:solidFill>
+                  <a:srgbClr val="FF0000"/>
+                </a:solidFill>
+              </a:rPr>
+              <a:t>fairness</a:t>
+            </a:r>
+            <a:r>
+              <a:rPr lang="en-CA" sz="1100" dirty="0"/>
+              <a:t> of the scheduling policy as some jobs can be skipped over for a long time if their resource demands cannot be satisfied in the cluster.</a:t>
+            </a:r>
+          </a:p>
+          <a:p>
+            <a:r>
+              <a:rPr lang="en-CA" sz="1100" dirty="0"/>
+              <a:t>The challenge ahead of us is to design a scheduling mechanism that eliminates GPU under-utilization due to fragmentation, and upholds the fairness properties of the given scheduling policy, while performing multi-dimensional resource allocation.</a:t>
+            </a:r>
+            <a:endParaRPr lang="en-US" sz="1100" dirty="0">
+              <a:latin typeface="Arial" panose="020B0604020202020204" pitchFamily="34" charset="0"/>
+              <a:cs typeface="Arial" panose="020B0604020202020204" pitchFamily="34" charset="0"/>
+            </a:endParaRPr>
+          </a:p>
+        </p:txBody>
+      </p:sp>
+    </p:spTree>
+    <p:extLst>
+      <p:ext uri="{BB962C8B-B14F-4D97-AF65-F5344CB8AC3E}">
+        <p14:creationId xmlns:p14="http://schemas.microsoft.com/office/powerpoint/2010/main" val="196818494"/>
+      </p:ext>
+    </p:extLst>
+  </p:cSld>
+  <p:clrMapOvr>
+    <a:masterClrMapping/>
+  </p:clrMapOvr>
+</p:sld>
+</file>
+
+<file path=ppt/slides/slide6.xml><?xml version="1.0" encoding="utf-8"?>
+<p:sld xmlns:a="http://schemas.openxmlformats.org/drawingml/2006/main" xmlns:r="http://schemas.openxmlformats.org/officeDocument/2006/relationships" xmlns:p="http://schemas.openxmlformats.org/presentationml/2006/main">
+  <p:cSld>
+    <p:spTree>
+      <p:nvGrpSpPr>
+        <p:cNvPr id="1" name=""/>
+        <p:cNvGrpSpPr/>
+        <p:nvPr/>
+      </p:nvGrpSpPr>
+      <p:grpSpPr>
+        <a:xfrm>
+          <a:off x="0" y="0"/>
+          <a:ext cx="0" cy="0"/>
+          <a:chOff x="0" y="0"/>
+          <a:chExt cx="0" cy="0"/>
+        </a:xfrm>
+      </p:grpSpPr>
+      <p:sp>
+        <p:nvSpPr>
+          <p:cNvPr id="5" name="TextBox 4">
+            <a:extLst>
+              <a:ext uri="{FF2B5EF4-FFF2-40B4-BE49-F238E27FC236}">
+                <a16:creationId xmlns:a16="http://schemas.microsoft.com/office/drawing/2014/main" id="{030478A7-9DAC-CFB7-4D6F-B09DDBC6E270}"/>
+              </a:ext>
+            </a:extLst>
+          </p:cNvPr>
+          <p:cNvSpPr txBox="1"/>
+          <p:nvPr/>
+        </p:nvSpPr>
+        <p:spPr>
+          <a:xfrm>
+            <a:off x="2688210" y="457200"/>
+            <a:ext cx="6631111" cy="369332"/>
+          </a:xfrm>
+          <a:prstGeom prst="rect">
+            <a:avLst/>
+          </a:prstGeom>
+          <a:noFill/>
+        </p:spPr>
+        <p:txBody>
+          <a:bodyPr wrap="none" rtlCol="0">
+            <a:spAutoFit/>
+          </a:bodyPr>
+          <a:lstStyle/>
+          <a:p>
+            <a:pPr algn="ctr"/>
+            <a:r>
+              <a:rPr lang="en-CA" dirty="0"/>
+              <a:t>Synergy: Resource Sensitive DNN Scheduling in Multi-Tenant Clusters</a:t>
+            </a:r>
+            <a:endParaRPr lang="en-US" dirty="0"/>
+          </a:p>
+        </p:txBody>
+      </p:sp>
+      <p:sp>
+        <p:nvSpPr>
+          <p:cNvPr id="8" name="TextBox 7">
+            <a:extLst>
+              <a:ext uri="{FF2B5EF4-FFF2-40B4-BE49-F238E27FC236}">
+                <a16:creationId xmlns:a16="http://schemas.microsoft.com/office/drawing/2014/main" id="{1904144F-FD18-6685-E300-68C15850E280}"/>
+              </a:ext>
+            </a:extLst>
+          </p:cNvPr>
+          <p:cNvSpPr txBox="1"/>
+          <p:nvPr/>
+        </p:nvSpPr>
+        <p:spPr>
+          <a:xfrm>
+            <a:off x="146386" y="-936287"/>
+            <a:ext cx="5347607" cy="784830"/>
+          </a:xfrm>
+          <a:prstGeom prst="rect">
+            <a:avLst/>
+          </a:prstGeom>
+          <a:noFill/>
+        </p:spPr>
+        <p:txBody>
+          <a:bodyPr wrap="square" rtlCol="0">
+            <a:spAutoFit/>
+          </a:bodyPr>
+          <a:lstStyle/>
+          <a:p>
+            <a:r>
+              <a:rPr lang="en-US" sz="500" dirty="0"/>
+              <a:t>Introduction:</a:t>
+            </a:r>
+          </a:p>
+          <a:p>
+            <a:pPr marL="285750" indent="-285750">
+              <a:buFont typeface="Arial" panose="020B0604020202020204" pitchFamily="34" charset="0"/>
+              <a:buChar char="•"/>
+            </a:pPr>
+            <a:r>
+              <a:rPr lang="en-CA" sz="500" b="1" dirty="0"/>
+              <a:t>Performance Heterogeneity:</a:t>
+            </a:r>
+            <a:r>
+              <a:rPr lang="en-CA" sz="500" dirty="0"/>
+              <a:t> Commonly used models show heterogeneous performance behavior across accelerator types due to various architectural differences. Existing schedulers like </a:t>
+            </a:r>
+            <a:r>
+              <a:rPr lang="en-CA" sz="500" dirty="0" err="1"/>
+              <a:t>Gandiva</a:t>
+            </a:r>
+            <a:r>
+              <a:rPr lang="en-CA" sz="500" dirty="0"/>
+              <a:t>, Tiresias, and Themis do not consider this heterogeneous performance behavior.</a:t>
+            </a:r>
+          </a:p>
+          <a:p>
+            <a:pPr marL="285750" indent="-285750">
+              <a:buFont typeface="Arial" panose="020B0604020202020204" pitchFamily="34" charset="0"/>
+              <a:buChar char="•"/>
+            </a:pPr>
+            <a:endParaRPr lang="en-CA" sz="500" dirty="0"/>
+          </a:p>
+          <a:p>
+            <a:pPr marL="285750" indent="-285750">
+              <a:buFont typeface="Arial" panose="020B0604020202020204" pitchFamily="34" charset="0"/>
+              <a:buChar char="•"/>
+            </a:pPr>
+            <a:r>
+              <a:rPr lang="en-CA" sz="500" b="1" dirty="0"/>
+              <a:t>Generality across Policies: </a:t>
+            </a:r>
+            <a:r>
+              <a:rPr lang="en-CA" sz="500" dirty="0"/>
+              <a:t>Cluster operators might want to implement different scheduling policies based on their business goals, such as optimizing for time to complete a set of batch jobs (</a:t>
+            </a:r>
+            <a:r>
+              <a:rPr lang="en-CA" sz="500" dirty="0" err="1"/>
+              <a:t>makespan</a:t>
+            </a:r>
+            <a:r>
+              <a:rPr lang="en-CA" sz="500" dirty="0"/>
+              <a:t>), fairness for ad-hoc jobs, or more sophisticated hierarchical policies that divide resources among high-level entities (e.g., departments) using one policy, and then individual jobs within the entity using another</a:t>
+            </a:r>
+          </a:p>
+          <a:p>
+            <a:pPr marL="285750" indent="-285750">
+              <a:buFont typeface="Arial" panose="020B0604020202020204" pitchFamily="34" charset="0"/>
+              <a:buChar char="•"/>
+            </a:pPr>
+            <a:endParaRPr lang="en-CA" sz="500" dirty="0"/>
+          </a:p>
+          <a:p>
+            <a:pPr marL="285750" indent="-285750">
+              <a:buFont typeface="Arial" panose="020B0604020202020204" pitchFamily="34" charset="0"/>
+              <a:buChar char="•"/>
+            </a:pPr>
+            <a:r>
+              <a:rPr lang="en-CA" sz="500" b="1" dirty="0"/>
+              <a:t>Colocation and Placement Optimizations:</a:t>
+            </a:r>
+            <a:endParaRPr lang="en-US" sz="500" b="1" dirty="0"/>
+          </a:p>
+        </p:txBody>
+      </p:sp>
       <mc:AlternateContent xmlns:mc="http://schemas.openxmlformats.org/markup-compatibility/2006">
         <mc:Choice xmlns:a14="http://schemas.microsoft.com/office/drawing/2010/main" Requires="a14">
           <p:sp>
@@ -6970,8 +7543,8 @@
             </p:nvSpPr>
             <p:spPr>
               <a:xfrm>
-                <a:off x="620487" y="1371599"/>
-                <a:ext cx="5475514" cy="4514634"/>
+                <a:off x="620487" y="921093"/>
+                <a:ext cx="5475514" cy="5770619"/>
               </a:xfrm>
               <a:prstGeom prst="rect">
                 <a:avLst/>
@@ -6998,7 +7571,15 @@
               <a:p>
                 <a:r>
                   <a:rPr lang="en-CA" sz="1400" dirty="0"/>
-                  <a:t>4.1 Synergy-OPT:</a:t>
+                  <a:t>4.1 Synergy-OPT (upper bound </a:t>
+                </a:r>
+                <a:r>
+                  <a:rPr lang="en-CA" sz="1400"/>
+                  <a:t>optimal throughput</a:t>
+                </a:r>
+                <a:r>
+                  <a:rPr lang="en-CA" sz="1400" dirty="0"/>
+                  <a:t>):</a:t>
                 </a:r>
               </a:p>
               <a:p>
@@ -7007,13 +7588,79 @@
               <a:p>
                 <a:r>
                   <a:rPr lang="en-CA" sz="1100" dirty="0"/>
-                  <a:t>Our goal is to allocate CPU and memory to each job so as to maximize overall throughput, while guaranteeing that each job makes at least as much progress as it would do if we allocate its GPU-proportional share.</a:t>
+                  <a:t>Our goal is to allocate CPU and memory to each job so as to </a:t>
+                </a:r>
+                <a:r>
+                  <a:rPr lang="en-CA" sz="1100" dirty="0">
+                    <a:solidFill>
+                      <a:srgbClr val="FF0000"/>
+                    </a:solidFill>
+                  </a:rPr>
+                  <a:t>maximize overall throughput</a:t>
+                </a:r>
+                <a:r>
+                  <a:rPr lang="en-CA" sz="1100" dirty="0"/>
+                  <a:t>, while guaranteeing that </a:t>
+                </a:r>
+                <a:r>
+                  <a:rPr lang="en-CA" sz="1100" dirty="0">
+                    <a:solidFill>
+                      <a:srgbClr val="FF0000"/>
+                    </a:solidFill>
+                  </a:rPr>
+                  <a:t>each job makes at least as much progress as it would do if we allocate its GPU-proportional share</a:t>
+                </a:r>
+                <a:r>
+                  <a:rPr lang="en-CA" sz="1100" dirty="0"/>
+                  <a:t>.</a:t>
                 </a:r>
               </a:p>
               <a:p>
-                <a:endParaRPr lang="en-US" sz="1100" dirty="0">
-                  <a:latin typeface="Arial" panose="020B0604020202020204" pitchFamily="34" charset="0"/>
-                  <a:cs typeface="Arial" panose="020B0604020202020204" pitchFamily="34" charset="0"/>
+                <a:endParaRPr lang="en-CA" sz="1100" dirty="0"/>
+              </a:p>
+              <a:p>
+                <a:r>
+                  <a:rPr lang="en-CA" sz="1100"/>
+                  <a:t>Assume an idealized setting: all the CPU and memory available across all the machines is present in </a:t>
+                </a:r>
+                <a:r>
+                  <a:rPr lang="en-CA" sz="1100">
+                    <a:solidFill>
+                      <a:srgbClr val="FF0000"/>
+                    </a:solidFill>
+                  </a:rPr>
+                  <a:t>one (super) machine</a:t>
+                </a:r>
+                <a:r>
+                  <a:rPr lang="en-CA" sz="1100" dirty="0">
+                    <a:solidFill>
+                      <a:srgbClr val="FF0000"/>
+                    </a:solidFill>
+                  </a:rPr>
+                  <a:t>. </a:t>
+                </a:r>
+                <a:r>
+                  <a:rPr lang="en-CA" sz="1100"/>
+                  <a:t>Say there are a total of </a:t>
+                </a:r>
+                <a14:m>
+                  <m:oMath xmlns:m="http://schemas.openxmlformats.org/officeDocument/2006/math">
+                    <m:r>
+                      <a:rPr lang="en-CA" sz="1100" i="1">
+                        <a:latin typeface="Cambria Math" panose="02040503050406030204" pitchFamily="18" charset="0"/>
+                      </a:rPr>
+                      <m:t>𝑠</m:t>
+                    </m:r>
+                  </m:oMath>
+                </a14:m>
+                <a:r>
+                  <a:rPr lang="en-CA" sz="1100"/>
+                  <a:t> homogeneous machines in the cluster. There is only one machine with G units of GPU, C units of CPU, and M units of memory</a:t>
+                </a:r>
+              </a:p>
+              <a:p>
+                <a:endParaRPr lang="en-US" sz="1100" b="0" i="1" dirty="0">
+                  <a:latin typeface="Cambria Math" panose="02040503050406030204" pitchFamily="18" charset="0"/>
                 </a:endParaRPr>
               </a:p>
               <a:p>
@@ -7198,8 +7845,137 @@
                 </a14:m>
                 <a:r>
                   <a:rPr lang="en-CA" sz="1100" dirty="0"/>
+                  <a:t>, </a:t>
+                </a:r>
+                <a14:m>
+                  <m:oMath xmlns:m="http://schemas.openxmlformats.org/officeDocument/2006/math">
+                    <m:sSub>
+                      <m:sSubPr>
+                        <m:ctrlPr>
+                          <a:rPr lang="en-US" sz="1100" i="1" dirty="0">
+                            <a:latin typeface="Cambria Math" panose="02040503050406030204" pitchFamily="18" charset="0"/>
+                          </a:rPr>
+                        </m:ctrlPr>
+                      </m:sSubPr>
+                      <m:e>
+                        <m:r>
+                          <a:rPr lang="en-US" sz="1100" b="0" i="1" dirty="0">
+                            <a:latin typeface="Cambria Math" panose="02040503050406030204" pitchFamily="18" charset="0"/>
+                          </a:rPr>
+                          <m:t>𝐶</m:t>
+                        </m:r>
+                      </m:e>
+                      <m:sub>
+                        <m:r>
+                          <a:rPr lang="en-CA" sz="1100" i="1" dirty="0">
+                            <a:latin typeface="Cambria Math" panose="02040503050406030204" pitchFamily="18" charset="0"/>
+                          </a:rPr>
+                          <m:t>𝑖</m:t>
+                        </m:r>
+                      </m:sub>
+                    </m:sSub>
+                    <m:r>
+                      <a:rPr lang="en-US" sz="1100" i="1" dirty="0">
+                        <a:latin typeface="Cambria Math" panose="02040503050406030204" pitchFamily="18" charset="0"/>
+                      </a:rPr>
+                      <m:t>=</m:t>
+                    </m:r>
+                    <m:f>
+                      <m:fPr>
+                        <m:ctrlPr>
+                          <a:rPr lang="en-US" sz="1100" i="1" dirty="0">
+                            <a:latin typeface="Cambria Math" panose="02040503050406030204" pitchFamily="18" charset="0"/>
+                          </a:rPr>
+                        </m:ctrlPr>
+                      </m:fPr>
+                      <m:num>
+                        <m:r>
+                          <a:rPr lang="en-US" sz="1100" b="0" i="1" dirty="0">
+                            <a:latin typeface="Cambria Math" panose="02040503050406030204" pitchFamily="18" charset="0"/>
+                          </a:rPr>
+                          <m:t>𝐶</m:t>
+                        </m:r>
+                      </m:num>
+                      <m:den>
+                        <m:r>
+                          <a:rPr lang="en-US" sz="1100" i="1" dirty="0">
+                            <a:latin typeface="Cambria Math" panose="02040503050406030204" pitchFamily="18" charset="0"/>
+                          </a:rPr>
+                          <m:t>𝑠</m:t>
+                        </m:r>
+                      </m:den>
+                    </m:f>
+                  </m:oMath>
+                </a14:m>
+                <a:r>
+                  <a:rPr lang="en-CA" sz="1100" dirty="0"/>
+                  <a:t>,</a:t>
+                </a:r>
+                <a:r>
+                  <a:rPr lang="en-US" sz="1100" dirty="0"/>
                   <a:t> </a:t>
                 </a:r>
+                <a14:m>
+                  <m:oMath xmlns:m="http://schemas.openxmlformats.org/officeDocument/2006/math">
+                    <m:sSub>
+                      <m:sSubPr>
+                        <m:ctrlPr>
+                          <a:rPr lang="en-US" sz="1100" i="1" dirty="0">
+                            <a:latin typeface="Cambria Math" panose="02040503050406030204" pitchFamily="18" charset="0"/>
+                          </a:rPr>
+                        </m:ctrlPr>
+                      </m:sSubPr>
+                      <m:e>
+                        <m:r>
+                          <a:rPr lang="en-US" sz="1100" b="0" i="1" dirty="0">
+                            <a:latin typeface="Cambria Math" panose="02040503050406030204" pitchFamily="18" charset="0"/>
+                          </a:rPr>
+                          <m:t>𝑀</m:t>
+                        </m:r>
+                      </m:e>
+                      <m:sub>
+                        <m:r>
+                          <a:rPr lang="en-CA" sz="1100" i="1" dirty="0">
+                            <a:latin typeface="Cambria Math" panose="02040503050406030204" pitchFamily="18" charset="0"/>
+                          </a:rPr>
+                          <m:t>𝑖</m:t>
+                        </m:r>
+                      </m:sub>
+                    </m:sSub>
+                    <m:r>
+                      <a:rPr lang="en-US" sz="1100" i="1" dirty="0">
+                        <a:latin typeface="Cambria Math" panose="02040503050406030204" pitchFamily="18" charset="0"/>
+                      </a:rPr>
+                      <m:t>=</m:t>
+                    </m:r>
+                    <m:f>
+                      <m:fPr>
+                        <m:ctrlPr>
+                          <a:rPr lang="en-US" sz="1100" i="1" dirty="0">
+                            <a:latin typeface="Cambria Math" panose="02040503050406030204" pitchFamily="18" charset="0"/>
+                          </a:rPr>
+                        </m:ctrlPr>
+                      </m:fPr>
+                      <m:num>
+                        <m:r>
+                          <a:rPr lang="en-US" sz="1100" b="0" i="1" dirty="0">
+                            <a:latin typeface="Cambria Math" panose="02040503050406030204" pitchFamily="18" charset="0"/>
+                          </a:rPr>
+                          <m:t>𝑀</m:t>
+                        </m:r>
+                      </m:num>
+                      <m:den>
+                        <m:r>
+                          <a:rPr lang="en-US" sz="1100" i="1" dirty="0">
+                            <a:latin typeface="Cambria Math" panose="02040503050406030204" pitchFamily="18" charset="0"/>
+                          </a:rPr>
+                          <m:t>𝑠</m:t>
+                        </m:r>
+                      </m:den>
+                    </m:f>
+                  </m:oMath>
+                </a14:m>
+                <a:endParaRPr lang="en-CA" sz="1100" dirty="0"/>
               </a:p>
               <a:p>
                 <a:pPr marL="171450" indent="-171450">
@@ -7460,13 +8236,37 @@
                   <a:rPr lang="en-CA" sz="1100" dirty="0"/>
                   <a:t>For each machine </a:t>
                 </a:r>
-                <a:r>
-                  <a:rPr lang="en-CA" sz="1100" dirty="0" err="1"/>
-                  <a:t>i</a:t>
-                </a:r>
+                <a14:m>
+                  <m:oMath xmlns:m="http://schemas.openxmlformats.org/officeDocument/2006/math">
+                    <m:r>
+                      <a:rPr lang="en-CA" sz="1100" i="1" dirty="0" err="1">
+                        <a:latin typeface="Cambria Math" panose="02040503050406030204" pitchFamily="18" charset="0"/>
+                      </a:rPr>
+                      <m:t>𝑖</m:t>
+                    </m:r>
+                    <m:r>
+                      <a:rPr lang="en-CA" sz="1100" i="1" dirty="0">
+                        <a:latin typeface="Cambria Math" panose="02040503050406030204" pitchFamily="18" charset="0"/>
+                      </a:rPr>
+                      <m:t> ∈ [</m:t>
+                    </m:r>
+                    <m:r>
+                      <a:rPr lang="en-CA" sz="1100" i="1" dirty="0">
+                        <a:latin typeface="Cambria Math" panose="02040503050406030204" pitchFamily="18" charset="0"/>
+                      </a:rPr>
+                      <m:t>𝑠</m:t>
+                    </m:r>
+                    <m:r>
+                      <a:rPr lang="en-CA" sz="1100" i="1" dirty="0">
+                        <a:latin typeface="Cambria Math" panose="02040503050406030204" pitchFamily="18" charset="0"/>
+                      </a:rPr>
+                      <m:t>]</m:t>
+                    </m:r>
+                  </m:oMath>
+                </a14:m>
                 <a:r>
                   <a:rPr lang="en-CA" sz="1100" dirty="0"/>
-                  <a:t> ∈ [s], we denote </a:t>
+                  <a:t>, we denote </a:t>
                 </a:r>
                 <a14:m>
                   <m:oMath xmlns:m="http://schemas.openxmlformats.org/officeDocument/2006/math">
@@ -7792,7 +8592,30 @@
                     </m:sSub>
                   </m:oMath>
                 </a14:m>
-                <a:endParaRPr lang="en-CA" sz="1100" dirty="0"/>
+                <a:r>
+                  <a:rPr lang="en-CA" sz="1100" dirty="0"/>
+                  <a:t> </a:t>
+                </a:r>
+                <a:r>
+                  <a:rPr lang="en-CA" sz="700" dirty="0"/>
+                  <a:t>(平均每个GPU分到的资源</a:t>
+                </a:r>
+                <a:r>
+                  <a:rPr lang="zh-CN" altLang="en-US" sz="700" dirty="0"/>
+                  <a:t>*</a:t>
+                </a:r>
+                <a:r>
+                  <a:rPr lang="en-US" altLang="zh-CN" sz="700" dirty="0"/>
+                  <a:t>GPU</a:t>
+                </a:r>
+                <a:r>
+                  <a:rPr lang="zh-CN" altLang="en-US" sz="700" dirty="0"/>
+                  <a:t>需求</a:t>
+                </a:r>
+                <a:r>
+                  <a:rPr lang="en-CA" sz="700" dirty="0"/>
+                  <a:t>)</a:t>
+                </a:r>
               </a:p>
               <a:p>
                 <a:pPr marL="171450" indent="-171450">
@@ -8075,7 +8898,7 @@
                 </a14:m>
                 <a:r>
                   <a:rPr lang="en-CA" sz="1100"/>
-                  <a:t> units of memory are allocated.</a:t>
+                  <a:t> units of memory are allocated. It is either 0 or 1.</a:t>
                 </a:r>
                 <a:endParaRPr lang="en-CA" sz="1100" dirty="0"/>
               </a:p>
@@ -8119,8 +8942,8 @@
             </p:nvSpPr>
             <p:spPr>
               <a:xfrm>
-                <a:off x="620487" y="1371599"/>
-                <a:ext cx="5475514" cy="4514634"/>
+                <a:off x="620487" y="921093"/>
+                <a:ext cx="5475514" cy="5770619"/>
               </a:xfrm>
               <a:prstGeom prst="rect">
                 <a:avLst/>
@@ -8128,7 +8951,7 @@
               <a:blipFill>
                 <a:blip r:embed="rId3"/>
                 <a:stretch>
-                  <a:fillRect l="-924" t="-562"/>
+                  <a:fillRect l="-924" t="-439"/>
                 </a:stretch>
               </a:blipFill>
             </p:spPr>
@@ -8169,7 +8992,7 @@
         </p:blipFill>
         <p:spPr>
           <a:xfrm>
-            <a:off x="1525589" y="5805875"/>
+            <a:off x="1525589" y="6241428"/>
             <a:ext cx="3665310" cy="450284"/>
           </a:xfrm>
           <a:prstGeom prst="rect">
@@ -8267,7 +9090,7 @@
         </p:nvSpPr>
         <p:spPr>
           <a:xfrm>
-            <a:off x="6242959" y="5439828"/>
+            <a:off x="6251123" y="5687430"/>
             <a:ext cx="5475514" cy="1107996"/>
           </a:xfrm>
           <a:prstGeom prst="rect">
@@ -8329,7 +9152,7 @@
             <p:spPr>
               <a:xfrm>
                 <a:off x="6251123" y="3945170"/>
-                <a:ext cx="5693227" cy="1485022"/>
+                <a:ext cx="5693227" cy="1823576"/>
               </a:xfrm>
               <a:prstGeom prst="rect">
                 <a:avLst/>
@@ -8343,8 +9166,42 @@
               <a:lstStyle/>
               <a:p>
                 <a:r>
+                  <a:rPr lang="en-CA" sz="1100">
+                    <a:solidFill>
+                      <a:srgbClr val="FF0000"/>
+                    </a:solidFill>
+                  </a:rPr>
+                  <a:t>Throughput achieved by LP(1-5) is at least the throughput achieved by an optimal solution to our problem.</a:t>
+                </a:r>
+              </a:p>
+              <a:p>
+                <a:r>
                   <a:rPr lang="en-CA" sz="1100"/>
-                  <a:t>In reality, since these resources are spread across machines, we find a feasible allocation on multiple machines by solving a second LP. The objective here is to minimize the number of jobs that get fragmented to account for the communication overhead when jobs are split across machines. The variables of the second LP are denoted by xi, j . Here index i denotes the machine and j denotes the job. If </a:t>
+                  <a:t>In reality, since these resources are spread across machines, we find a feasible allocation on multiple machines by solving a </a:t>
+                </a:r>
+                <a:r>
+                  <a:rPr lang="en-CA" sz="1100">
+                    <a:solidFill>
+                      <a:srgbClr val="FF0000"/>
+                    </a:solidFill>
+                  </a:rPr>
+                  <a:t>second LP</a:t>
+                </a:r>
+                <a:r>
+                  <a:rPr lang="en-CA" sz="1100"/>
+                  <a:t>. </a:t>
+                </a:r>
+                <a:r>
+                  <a:rPr lang="en-CA" sz="1100">
+                    <a:solidFill>
+                      <a:srgbClr val="FF0000"/>
+                    </a:solidFill>
+                  </a:rPr>
+                  <a:t>The objective here is to minimize the number of jobs that get fragmented to account for the communication overhead when jobs are split across machines</a:t>
+                </a:r>
+                <a:r>
+                  <a:rPr lang="en-CA" sz="1100"/>
+                  <a:t>. The variables of the second LP are denoted by xi, j . Here index i denotes the machine and j denotes the job. If </a:t>
                 </a:r>
                 <a14:m>
                   <m:oMath xmlns:m="http://schemas.openxmlformats.org/officeDocument/2006/math">
@@ -8541,7 +9398,7 @@
             <p:spPr>
               <a:xfrm>
                 <a:off x="6251123" y="3945170"/>
-                <a:ext cx="5693227" cy="1485022"/>
+                <a:ext cx="5693227" cy="1823576"/>
               </a:xfrm>
               <a:prstGeom prst="rect">
                 <a:avLst/>
@@ -8549,7 +9406,7 @@
               <a:blipFill>
                 <a:blip r:embed="rId6"/>
                 <a:stretch>
-                  <a:fillRect b="-2542"/>
+                  <a:fillRect b="-1379"/>
                 </a:stretch>
               </a:blipFill>
             </p:spPr>
@@ -8581,7 +9438,7 @@
 </p:sld>
 </file>
 
-<file path=ppt/slides/slide6.xml><?xml version="1.0" encoding="utf-8"?>
+<file path=ppt/slides/slide7.xml><?xml version="1.0" encoding="utf-8"?>
 <p:sld xmlns:a="http://schemas.openxmlformats.org/drawingml/2006/main" xmlns:r="http://schemas.openxmlformats.org/officeDocument/2006/relationships" xmlns:p="http://schemas.openxmlformats.org/presentationml/2006/main">
   <p:cSld>
     <p:spTree>
@@ -8754,7 +9611,7 @@
         <p:spPr>
           <a:xfrm>
             <a:off x="620487" y="1371599"/>
-            <a:ext cx="5475514" cy="5201424"/>
+            <a:ext cx="5475514" cy="5878532"/>
           </a:xfrm>
           <a:prstGeom prst="rect">
             <a:avLst/>
@@ -8785,7 +9642,7 @@
             </a:r>
             <a:r>
               <a:rPr lang="en-CA" sz="1400"/>
-              <a:t>Synergy-TUNE</a:t>
+              <a:t>Synergy-TUNE (an empirically close-to-optimal heuristic solution)</a:t>
             </a:r>
             <a:r>
               <a:rPr lang="en-CA" sz="1400" dirty="0"/>
@@ -8798,7 +9655,19 @@
           <a:p>
             <a:r>
               <a:rPr lang="en-CA" sz="1100"/>
-              <a:t>We now describe Synergy-TUNE, our heuristic scheduling mechanism. Our goal is to design a scheduling mechanism that performs multi-dimensional resource allocation for DNN jobs, where the GPU demand is fixed, but the auxiliary resource allocations are fungible, such that:</a:t>
+              <a:t>We now describe Synergy-TUNE, our heuristic scheduling mechanism. Our goal is to design a scheduling mechanism that </a:t>
+            </a:r>
+            <a:r>
+              <a:rPr lang="en-CA" sz="1100">
+                <a:solidFill>
+                  <a:srgbClr val="FF0000"/>
+                </a:solidFill>
+              </a:rPr>
+              <a:t>performs multi-dimensional resource allocation for DNN jobs, where the GPU demand is fixed, but the auxiliary resource allocations are fungible</a:t>
+            </a:r>
+            <a:r>
+              <a:rPr lang="en-CA" sz="1100"/>
+              <a:t>, such that:</a:t>
             </a:r>
           </a:p>
           <a:p>
@@ -8810,7 +9679,19 @@
             </a:pPr>
             <a:r>
               <a:rPr lang="en-CA" sz="1100"/>
-              <a:t>we do not affect the fairness properties of the scheduling policy used</a:t>
+              <a:t>we do not affect the </a:t>
+            </a:r>
+            <a:r>
+              <a:rPr lang="en-CA" sz="1100">
+                <a:solidFill>
+                  <a:srgbClr val="FF0000"/>
+                </a:solidFill>
+              </a:rPr>
+              <a:t>fairness</a:t>
+            </a:r>
+            <a:r>
+              <a:rPr lang="en-CA" sz="1100"/>
+              <a:t> properties of the scheduling policy used</a:t>
             </a:r>
           </a:p>
           <a:p>
@@ -8819,7 +9700,15 @@
             </a:pPr>
             <a:r>
               <a:rPr lang="en-CA" sz="1100"/>
-              <a:t>the expensive GPU resources are not underutilized</a:t>
+              <a:t>the expensive GPU resources are </a:t>
+            </a:r>
+            <a:r>
+              <a:rPr lang="en-CA" sz="1100">
+                <a:solidFill>
+                  <a:srgbClr val="FF0000"/>
+                </a:solidFill>
+              </a:rPr>
+              <a:t>not underutilized</a:t>
             </a:r>
           </a:p>
           <a:p>
@@ -8850,9 +9739,32 @@
             </a:pPr>
             <a:r>
               <a:rPr lang="en-CA" sz="1100"/>
-              <a:t>The GPU, CPU, and memory resources requested by a single-GPU job must all be allocated on the same server</a:t>
+              <a:t>The </a:t>
+            </a:r>
+            <a:r>
+              <a:rPr lang="en-CA" sz="1100">
+                <a:solidFill>
+                  <a:srgbClr val="FF0000"/>
+                </a:solidFill>
+              </a:rPr>
+              <a:t>GPU, CPU, and memory resources </a:t>
+            </a:r>
+            <a:r>
+              <a:rPr lang="en-CA" sz="1100"/>
+              <a:t>requested by a single-GPU job must all be allocated </a:t>
+            </a:r>
+            <a:r>
+              <a:rPr lang="en-CA" sz="1100">
+                <a:solidFill>
+                  <a:srgbClr val="FF0000"/>
+                </a:solidFill>
+              </a:rPr>
+              <a:t>on the same server</a:t>
             </a:r>
             <a:endParaRPr lang="en-CA" sz="1100">
+              <a:solidFill>
+                <a:srgbClr val="FF0000"/>
+              </a:solidFill>
               <a:latin typeface="Arial" panose="020B0604020202020204" pitchFamily="34" charset="0"/>
               <a:cs typeface="Arial" panose="020B0604020202020204" pitchFamily="34" charset="0"/>
             </a:endParaRPr>
@@ -8882,6 +9794,15 @@
           <a:p>
             <a:r>
               <a:rPr lang="en-CA" sz="1100"/>
+              <a:t>We need to ensure that no job runs at a throughput lower than what it would have achieved if we allocated a GPU-proportional share of CPU and memory resources. Additionally, we need to respect the priority order of jobs identified by the scheduling policy.</a:t>
+            </a:r>
+          </a:p>
+          <a:p>
+            <a:endParaRPr lang="en-CA" sz="1100"/>
+          </a:p>
+          <a:p>
+            <a:r>
+              <a:rPr lang="en-CA" sz="1100"/>
               <a:t>Synergy-TUNE greedily packs each of these runnable jobs along multiple resource dimensions on one of the available servers, with the objective of minimizing fragmentation.</a:t>
             </a:r>
             <a:endParaRPr lang="en-CA" sz="1100" dirty="0">
@@ -8892,7 +9813,15 @@
           <a:p>
             <a:r>
               <a:rPr lang="en-CA" sz="1100"/>
-              <a:t>To achieve this, Synergy-TUNE sorts the runnable jobs by their GPU demands, followed by CPU, and memory demand.</a:t>
+              <a:t>To achieve this, Synergy-TUNE </a:t>
+            </a:r>
+            <a:r>
+              <a:rPr lang="en-CA" sz="1100">
+                <a:solidFill>
+                  <a:srgbClr val="FF0000"/>
+                </a:solidFill>
+              </a:rPr>
+              <a:t>sorts the runnable jobs by their GPU demands, followed by CPU, and memory demand.</a:t>
             </a:r>
           </a:p>
           <a:p>
@@ -8901,7 +9830,31 @@
           <a:p>
             <a:r>
               <a:rPr lang="en-CA" sz="1100"/>
-              <a:t>For each job j in order, Synergy-TUNE then picks the server with the least amount of free resources just enough to fit the demand vector of j. If it is a multi-GPU job, then we find a minimum set of servers with sufficient GPU availability that can fit the job’s demands in entirety.</a:t>
+              <a:t>For each job j in order, Synergy-TUNE then </a:t>
+            </a:r>
+            <a:r>
+              <a:rPr lang="en-CA" sz="1100">
+                <a:solidFill>
+                  <a:srgbClr val="FF0000"/>
+                </a:solidFill>
+              </a:rPr>
+              <a:t>picks the server with the least amount of free resources just enough to fit the demand vector of j</a:t>
+            </a:r>
+            <a:r>
+              <a:rPr lang="en-CA" sz="1100"/>
+              <a:t>. If it is a multi-GPU job, then we find a </a:t>
+            </a:r>
+            <a:r>
+              <a:rPr lang="en-CA" sz="1100">
+                <a:solidFill>
+                  <a:srgbClr val="FF0000"/>
+                </a:solidFill>
+              </a:rPr>
+              <a:t>minimum set of servers with sufficient GPU availability that can fit the job’s demands in entirety</a:t>
+            </a:r>
+            <a:r>
+              <a:rPr lang="en-CA" sz="1100"/>
+              <a:t>.</a:t>
             </a:r>
             <a:endParaRPr lang="en-US" sz="1100" dirty="0">
               <a:latin typeface="Arial" panose="020B0604020202020204" pitchFamily="34" charset="0"/>
@@ -8935,7 +9888,7 @@
         <p:spPr>
           <a:xfrm>
             <a:off x="6242959" y="1943978"/>
-            <a:ext cx="5693227" cy="2631490"/>
+            <a:ext cx="5693227" cy="3308598"/>
           </a:xfrm>
           <a:prstGeom prst="rect">
             <a:avLst/>
@@ -8959,7 +9912,27 @@
             </a:pPr>
             <a:r>
               <a:rPr lang="en-CA" sz="1100"/>
-              <a:t>We check if the job’s demand vector is greater than proportional share of resources, In this case, we switch the job’s demand to GPU-proportional share and retry</a:t>
+              <a:t>We check if the job’s </a:t>
+            </a:r>
+            <a:r>
+              <a:rPr lang="en-CA" sz="1100">
+                <a:solidFill>
+                  <a:srgbClr val="FF0000"/>
+                </a:solidFill>
+              </a:rPr>
+              <a:t>demand vector is greater than proportional share of resources</a:t>
+            </a:r>
+            <a:r>
+              <a:rPr lang="en-CA" sz="1100"/>
+              <a:t>, In this case, </a:t>
+            </a:r>
+            <a:r>
+              <a:rPr lang="en-CA" sz="1100">
+                <a:solidFill>
+                  <a:srgbClr val="FF0000"/>
+                </a:solidFill>
+              </a:rPr>
+              <a:t>we switch the job’s demand to GPU-proportional share and retry</a:t>
             </a:r>
           </a:p>
           <a:p>
@@ -8977,7 +9950,31 @@
           <a:p>
             <a:r>
               <a:rPr lang="en-CA" sz="1100"/>
-              <a:t>a). We repeat step (1) ignoring the job’s CPU and memory requirements. We find a server that can just satisfy the job’s GPU requirements. We know by construction that there is at least one job on this server, which is allocated more than GPU-proportional share of resources. We identify the job or a set of jobs (Js) on this server by switching whom to GPU-proportional share, we can release just as much resources required by the current job j. We switch the jobs in Js to fair-share and by design, job j will fit this server.</a:t>
+              <a:t>a). We repeat step (1) ignoring the job’s CPU and memory requirements. </a:t>
+            </a:r>
+            <a:r>
+              <a:rPr lang="en-CA" sz="1100">
+                <a:solidFill>
+                  <a:srgbClr val="FF0000"/>
+                </a:solidFill>
+              </a:rPr>
+              <a:t>We find a server that can just satisfy the job’s GPU requirements. </a:t>
+            </a:r>
+            <a:r>
+              <a:rPr lang="en-CA" sz="1100"/>
+              <a:t>We know by construction that there is at least one job on this server, which is allocated more than GPU-proportional share of resources. We </a:t>
+            </a:r>
+            <a:r>
+              <a:rPr lang="en-CA" sz="1100">
+                <a:solidFill>
+                  <a:srgbClr val="FF0000"/>
+                </a:solidFill>
+              </a:rPr>
+              <a:t>identify the job or a set of jobs (Js) on this server by switching whom to GPU-proportional share, we can release just as much resources required by the current job j</a:t>
+            </a:r>
+            <a:r>
+              <a:rPr lang="en-CA" sz="1100"/>
+              <a:t>. We switch the jobs in Js to fair-share and by design, job j will fit this server.</a:t>
             </a:r>
           </a:p>
           <a:p>
@@ -8987,6 +9984,39 @@
             <a:r>
               <a:rPr lang="en-CA" sz="1100"/>
               <a:t>(b) We continue this recursively for all runnable jobs.</a:t>
+            </a:r>
+          </a:p>
+          <a:p>
+            <a:endParaRPr lang="en-CA" sz="1100"/>
+          </a:p>
+          <a:p>
+            <a:r>
+              <a:rPr lang="en-CA" sz="1100"/>
+              <a:t>In the </a:t>
+            </a:r>
+            <a:r>
+              <a:rPr lang="en-CA" sz="1100">
+                <a:solidFill>
+                  <a:srgbClr val="FF0000"/>
+                </a:solidFill>
+              </a:rPr>
+              <a:t>worst case</a:t>
+            </a:r>
+            <a:r>
+              <a:rPr lang="en-CA" sz="1100"/>
+              <a:t>, all the running jobs in a round could be allocated </a:t>
+            </a:r>
+            <a:r>
+              <a:rPr lang="en-CA" sz="1100">
+                <a:solidFill>
+                  <a:srgbClr val="FF0000"/>
+                </a:solidFill>
+              </a:rPr>
+              <a:t>GPU-proportional share of resources</a:t>
+            </a:r>
+            <a:r>
+              <a:rPr lang="en-CA" sz="1100"/>
+              <a:t>. Therefore, Synergy ensures that its allocations results in job throughputs that are never worse than GPU-proportional allocation. </a:t>
             </a:r>
           </a:p>
           <a:p>
